--- a/RA-L Hetro Sensors/pictures/AutoPenetrationDepth.pptx
+++ b/RA-L Hetro Sensors/pictures/AutoPenetrationDepth.pptx
@@ -2,12 +2,12 @@
 <file path=ppt/presentation.xml><?xml version="1.0" encoding="utf-8"?>
 <p:presentation xmlns:a="http://schemas.openxmlformats.org/drawingml/2006/main" xmlns:r="http://schemas.openxmlformats.org/officeDocument/2006/relationships" xmlns:p="http://schemas.openxmlformats.org/presentationml/2006/main" saveSubsetFonts="1">
   <p:sldMasterIdLst>
-    <p:sldMasterId id="2147483672" r:id="rId1"/>
+    <p:sldMasterId id="2147483696" r:id="rId1"/>
   </p:sldMasterIdLst>
   <p:sldIdLst>
     <p:sldId id="256" r:id="rId2"/>
   </p:sldIdLst>
-  <p:sldSz cx="12161838" cy="6583363"/>
+  <p:sldSz cx="11979275" cy="6126163"/>
   <p:notesSz cx="6858000" cy="9144000"/>
   <p:defaultTextStyle>
     <a:defPPr>
@@ -104,6 +104,11 @@
       </a:defRPr>
     </a:lvl9pPr>
   </p:defaultTextStyle>
+  <p:extLst>
+    <p:ext uri="{EFAFB233-063F-42B5-8137-9DF3F51BA10A}">
+      <p15:sldGuideLst xmlns:p15="http://schemas.microsoft.com/office/powerpoint/2012/main"/>
+    </p:ext>
+  </p:extLst>
 </p:presentation>
 </file>
 
@@ -136,15 +141,15 @@
         </p:nvSpPr>
         <p:spPr>
           <a:xfrm>
-            <a:off x="1520230" y="1077416"/>
-            <a:ext cx="9121379" cy="2291986"/>
+            <a:off x="1497410" y="1002593"/>
+            <a:ext cx="8984456" cy="2132812"/>
           </a:xfrm>
         </p:spPr>
         <p:txBody>
           <a:bodyPr anchor="b"/>
           <a:lstStyle>
             <a:lvl1pPr algn="ctr">
-              <a:defRPr sz="5760"/>
+              <a:defRPr sz="5360"/>
             </a:lvl1pPr>
           </a:lstStyle>
           <a:p>
@@ -168,8 +173,8 @@
         </p:nvSpPr>
         <p:spPr>
           <a:xfrm>
-            <a:off x="1520230" y="3457790"/>
-            <a:ext cx="9121379" cy="1589455"/>
+            <a:off x="1497410" y="3217654"/>
+            <a:ext cx="8984456" cy="1479071"/>
           </a:xfrm>
         </p:spPr>
         <p:txBody>
@@ -177,39 +182,39 @@
           <a:lstStyle>
             <a:lvl1pPr marL="0" indent="0" algn="ctr">
               <a:buNone/>
-              <a:defRPr sz="2304"/>
+              <a:defRPr sz="2144"/>
             </a:lvl1pPr>
-            <a:lvl2pPr marL="438912" indent="0" algn="ctr">
-              <a:buNone/>
-              <a:defRPr sz="1920"/>
+            <a:lvl2pPr marL="408417" indent="0" algn="ctr">
+              <a:buNone/>
+              <a:defRPr sz="1787"/>
             </a:lvl2pPr>
-            <a:lvl3pPr marL="877824" indent="0" algn="ctr">
-              <a:buNone/>
-              <a:defRPr sz="1728"/>
+            <a:lvl3pPr marL="816834" indent="0" algn="ctr">
+              <a:buNone/>
+              <a:defRPr sz="1608"/>
             </a:lvl3pPr>
-            <a:lvl4pPr marL="1316736" indent="0" algn="ctr">
-              <a:buNone/>
-              <a:defRPr sz="1536"/>
+            <a:lvl4pPr marL="1225250" indent="0" algn="ctr">
+              <a:buNone/>
+              <a:defRPr sz="1429"/>
             </a:lvl4pPr>
-            <a:lvl5pPr marL="1755648" indent="0" algn="ctr">
-              <a:buNone/>
-              <a:defRPr sz="1536"/>
+            <a:lvl5pPr marL="1633667" indent="0" algn="ctr">
+              <a:buNone/>
+              <a:defRPr sz="1429"/>
             </a:lvl5pPr>
-            <a:lvl6pPr marL="2194560" indent="0" algn="ctr">
-              <a:buNone/>
-              <a:defRPr sz="1536"/>
+            <a:lvl6pPr marL="2042084" indent="0" algn="ctr">
+              <a:buNone/>
+              <a:defRPr sz="1429"/>
             </a:lvl6pPr>
-            <a:lvl7pPr marL="2633472" indent="0" algn="ctr">
-              <a:buNone/>
-              <a:defRPr sz="1536"/>
+            <a:lvl7pPr marL="2450501" indent="0" algn="ctr">
+              <a:buNone/>
+              <a:defRPr sz="1429"/>
             </a:lvl7pPr>
-            <a:lvl8pPr marL="3072384" indent="0" algn="ctr">
-              <a:buNone/>
-              <a:defRPr sz="1536"/>
+            <a:lvl8pPr marL="2858917" indent="0" algn="ctr">
+              <a:buNone/>
+              <a:defRPr sz="1429"/>
             </a:lvl8pPr>
-            <a:lvl9pPr marL="3511296" indent="0" algn="ctr">
-              <a:buNone/>
-              <a:defRPr sz="1536"/>
+            <a:lvl9pPr marL="3267334" indent="0" algn="ctr">
+              <a:buNone/>
+              <a:defRPr sz="1429"/>
             </a:lvl9pPr>
           </a:lstStyle>
           <a:p>
@@ -238,7 +243,7 @@
           <a:p>
             <a:fld id="{2BBD1645-FC76-43C1-A572-DBB15ADD6331}" type="datetimeFigureOut">
               <a:rPr lang="en-US" smtClean="0"/>
-              <a:t>12/5/2016</a:t>
+              <a:t>12/6/2016</a:t>
             </a:fld>
             <a:endParaRPr lang="en-US"/>
           </a:p>
@@ -289,7 +294,7 @@
     </p:spTree>
     <p:extLst>
       <p:ext uri="{BB962C8B-B14F-4D97-AF65-F5344CB8AC3E}">
-        <p14:creationId xmlns:p14="http://schemas.microsoft.com/office/powerpoint/2010/main" val="3628969934"/>
+        <p14:creationId xmlns:p14="http://schemas.microsoft.com/office/powerpoint/2010/main" val="2330097988"/>
       </p:ext>
     </p:extLst>
   </p:cSld>
@@ -408,7 +413,7 @@
           <a:p>
             <a:fld id="{2BBD1645-FC76-43C1-A572-DBB15ADD6331}" type="datetimeFigureOut">
               <a:rPr lang="en-US" smtClean="0"/>
-              <a:t>12/5/2016</a:t>
+              <a:t>12/6/2016</a:t>
             </a:fld>
             <a:endParaRPr lang="en-US"/>
           </a:p>
@@ -459,7 +464,7 @@
     </p:spTree>
     <p:extLst>
       <p:ext uri="{BB962C8B-B14F-4D97-AF65-F5344CB8AC3E}">
-        <p14:creationId xmlns:p14="http://schemas.microsoft.com/office/powerpoint/2010/main" val="2544961323"/>
+        <p14:creationId xmlns:p14="http://schemas.microsoft.com/office/powerpoint/2010/main" val="1223478564"/>
       </p:ext>
     </p:extLst>
   </p:cSld>
@@ -498,8 +503,8 @@
         </p:nvSpPr>
         <p:spPr>
           <a:xfrm>
-            <a:off x="8703315" y="350503"/>
-            <a:ext cx="2622396" cy="5579096"/>
+            <a:off x="8572669" y="326161"/>
+            <a:ext cx="2583031" cy="5191640"/>
           </a:xfrm>
         </p:spPr>
         <p:txBody>
@@ -526,8 +531,8 @@
         </p:nvSpPr>
         <p:spPr>
           <a:xfrm>
-            <a:off x="836126" y="350503"/>
-            <a:ext cx="7715166" cy="5579096"/>
+            <a:off x="823575" y="326161"/>
+            <a:ext cx="7599353" cy="5191640"/>
           </a:xfrm>
         </p:spPr>
         <p:txBody>
@@ -588,7 +593,7 @@
           <a:p>
             <a:fld id="{2BBD1645-FC76-43C1-A572-DBB15ADD6331}" type="datetimeFigureOut">
               <a:rPr lang="en-US" smtClean="0"/>
-              <a:t>12/5/2016</a:t>
+              <a:t>12/6/2016</a:t>
             </a:fld>
             <a:endParaRPr lang="en-US"/>
           </a:p>
@@ -639,7 +644,7 @@
     </p:spTree>
     <p:extLst>
       <p:ext uri="{BB962C8B-B14F-4D97-AF65-F5344CB8AC3E}">
-        <p14:creationId xmlns:p14="http://schemas.microsoft.com/office/powerpoint/2010/main" val="4065369684"/>
+        <p14:creationId xmlns:p14="http://schemas.microsoft.com/office/powerpoint/2010/main" val="1902808934"/>
       </p:ext>
     </p:extLst>
   </p:cSld>
@@ -758,7 +763,7 @@
           <a:p>
             <a:fld id="{2BBD1645-FC76-43C1-A572-DBB15ADD6331}" type="datetimeFigureOut">
               <a:rPr lang="en-US" smtClean="0"/>
-              <a:t>12/5/2016</a:t>
+              <a:t>12/6/2016</a:t>
             </a:fld>
             <a:endParaRPr lang="en-US"/>
           </a:p>
@@ -809,7 +814,7 @@
     </p:spTree>
     <p:extLst>
       <p:ext uri="{BB962C8B-B14F-4D97-AF65-F5344CB8AC3E}">
-        <p14:creationId xmlns:p14="http://schemas.microsoft.com/office/powerpoint/2010/main" val="1073171566"/>
+        <p14:creationId xmlns:p14="http://schemas.microsoft.com/office/powerpoint/2010/main" val="1656588146"/>
       </p:ext>
     </p:extLst>
   </p:cSld>
@@ -848,15 +853,15 @@
         </p:nvSpPr>
         <p:spPr>
           <a:xfrm>
-            <a:off x="829792" y="1641270"/>
-            <a:ext cx="10489585" cy="2738496"/>
+            <a:off x="817336" y="1527287"/>
+            <a:ext cx="10332125" cy="2548313"/>
           </a:xfrm>
         </p:spPr>
         <p:txBody>
           <a:bodyPr anchor="b"/>
           <a:lstStyle>
             <a:lvl1pPr>
-              <a:defRPr sz="5760"/>
+              <a:defRPr sz="5360"/>
             </a:lvl1pPr>
           </a:lstStyle>
           <a:p>
@@ -880,8 +885,8 @@
         </p:nvSpPr>
         <p:spPr>
           <a:xfrm>
-            <a:off x="829792" y="4405673"/>
-            <a:ext cx="10489585" cy="1440110"/>
+            <a:off x="817336" y="4099708"/>
+            <a:ext cx="10332125" cy="1340098"/>
           </a:xfrm>
         </p:spPr>
         <p:txBody>
@@ -889,7 +894,7 @@
           <a:lstStyle>
             <a:lvl1pPr marL="0" indent="0">
               <a:buNone/>
-              <a:defRPr sz="2304">
+              <a:defRPr sz="2144">
                 <a:solidFill>
                   <a:schemeClr val="tx1">
                     <a:tint val="75000"/>
@@ -897,9 +902,9 @@
                 </a:solidFill>
               </a:defRPr>
             </a:lvl1pPr>
-            <a:lvl2pPr marL="438912" indent="0">
-              <a:buNone/>
-              <a:defRPr sz="1920">
+            <a:lvl2pPr marL="408417" indent="0">
+              <a:buNone/>
+              <a:defRPr sz="1787">
                 <a:solidFill>
                   <a:schemeClr val="tx1">
                     <a:tint val="75000"/>
@@ -907,9 +912,9 @@
                 </a:solidFill>
               </a:defRPr>
             </a:lvl2pPr>
-            <a:lvl3pPr marL="877824" indent="0">
-              <a:buNone/>
-              <a:defRPr sz="1728">
+            <a:lvl3pPr marL="816834" indent="0">
+              <a:buNone/>
+              <a:defRPr sz="1608">
                 <a:solidFill>
                   <a:schemeClr val="tx1">
                     <a:tint val="75000"/>
@@ -917,9 +922,9 @@
                 </a:solidFill>
               </a:defRPr>
             </a:lvl3pPr>
-            <a:lvl4pPr marL="1316736" indent="0">
-              <a:buNone/>
-              <a:defRPr sz="1536">
+            <a:lvl4pPr marL="1225250" indent="0">
+              <a:buNone/>
+              <a:defRPr sz="1429">
                 <a:solidFill>
                   <a:schemeClr val="tx1">
                     <a:tint val="75000"/>
@@ -927,9 +932,9 @@
                 </a:solidFill>
               </a:defRPr>
             </a:lvl4pPr>
-            <a:lvl5pPr marL="1755648" indent="0">
-              <a:buNone/>
-              <a:defRPr sz="1536">
+            <a:lvl5pPr marL="1633667" indent="0">
+              <a:buNone/>
+              <a:defRPr sz="1429">
                 <a:solidFill>
                   <a:schemeClr val="tx1">
                     <a:tint val="75000"/>
@@ -937,9 +942,9 @@
                 </a:solidFill>
               </a:defRPr>
             </a:lvl5pPr>
-            <a:lvl6pPr marL="2194560" indent="0">
-              <a:buNone/>
-              <a:defRPr sz="1536">
+            <a:lvl6pPr marL="2042084" indent="0">
+              <a:buNone/>
+              <a:defRPr sz="1429">
                 <a:solidFill>
                   <a:schemeClr val="tx1">
                     <a:tint val="75000"/>
@@ -947,9 +952,9 @@
                 </a:solidFill>
               </a:defRPr>
             </a:lvl6pPr>
-            <a:lvl7pPr marL="2633472" indent="0">
-              <a:buNone/>
-              <a:defRPr sz="1536">
+            <a:lvl7pPr marL="2450501" indent="0">
+              <a:buNone/>
+              <a:defRPr sz="1429">
                 <a:solidFill>
                   <a:schemeClr val="tx1">
                     <a:tint val="75000"/>
@@ -957,9 +962,9 @@
                 </a:solidFill>
               </a:defRPr>
             </a:lvl7pPr>
-            <a:lvl8pPr marL="3072384" indent="0">
-              <a:buNone/>
-              <a:defRPr sz="1536">
+            <a:lvl8pPr marL="2858917" indent="0">
+              <a:buNone/>
+              <a:defRPr sz="1429">
                 <a:solidFill>
                   <a:schemeClr val="tx1">
                     <a:tint val="75000"/>
@@ -967,9 +972,9 @@
                 </a:solidFill>
               </a:defRPr>
             </a:lvl8pPr>
-            <a:lvl9pPr marL="3511296" indent="0">
-              <a:buNone/>
-              <a:defRPr sz="1536">
+            <a:lvl9pPr marL="3267334" indent="0">
+              <a:buNone/>
+              <a:defRPr sz="1429">
                 <a:solidFill>
                   <a:schemeClr val="tx1">
                     <a:tint val="75000"/>
@@ -1004,7 +1009,7 @@
           <a:p>
             <a:fld id="{2BBD1645-FC76-43C1-A572-DBB15ADD6331}" type="datetimeFigureOut">
               <a:rPr lang="en-US" smtClean="0"/>
-              <a:t>12/5/2016</a:t>
+              <a:t>12/6/2016</a:t>
             </a:fld>
             <a:endParaRPr lang="en-US"/>
           </a:p>
@@ -1055,7 +1060,7 @@
     </p:spTree>
     <p:extLst>
       <p:ext uri="{BB962C8B-B14F-4D97-AF65-F5344CB8AC3E}">
-        <p14:creationId xmlns:p14="http://schemas.microsoft.com/office/powerpoint/2010/main" val="2607114733"/>
+        <p14:creationId xmlns:p14="http://schemas.microsoft.com/office/powerpoint/2010/main" val="910977376"/>
       </p:ext>
     </p:extLst>
   </p:cSld>
@@ -1117,8 +1122,8 @@
         </p:nvSpPr>
         <p:spPr>
           <a:xfrm>
-            <a:off x="836126" y="1752516"/>
-            <a:ext cx="5168781" cy="4177083"/>
+            <a:off x="823575" y="1630807"/>
+            <a:ext cx="5091192" cy="3886994"/>
           </a:xfrm>
         </p:spPr>
         <p:txBody>
@@ -1174,8 +1179,8 @@
         </p:nvSpPr>
         <p:spPr>
           <a:xfrm>
-            <a:off x="6156931" y="1752516"/>
-            <a:ext cx="5168781" cy="4177083"/>
+            <a:off x="6064508" y="1630807"/>
+            <a:ext cx="5091192" cy="3886994"/>
           </a:xfrm>
         </p:spPr>
         <p:txBody>
@@ -1236,7 +1241,7 @@
           <a:p>
             <a:fld id="{2BBD1645-FC76-43C1-A572-DBB15ADD6331}" type="datetimeFigureOut">
               <a:rPr lang="en-US" smtClean="0"/>
-              <a:t>12/5/2016</a:t>
+              <a:t>12/6/2016</a:t>
             </a:fld>
             <a:endParaRPr lang="en-US"/>
           </a:p>
@@ -1287,7 +1292,7 @@
     </p:spTree>
     <p:extLst>
       <p:ext uri="{BB962C8B-B14F-4D97-AF65-F5344CB8AC3E}">
-        <p14:creationId xmlns:p14="http://schemas.microsoft.com/office/powerpoint/2010/main" val="1974948256"/>
+        <p14:creationId xmlns:p14="http://schemas.microsoft.com/office/powerpoint/2010/main" val="4018710213"/>
       </p:ext>
     </p:extLst>
   </p:cSld>
@@ -1326,8 +1331,8 @@
         </p:nvSpPr>
         <p:spPr>
           <a:xfrm>
-            <a:off x="837711" y="350504"/>
-            <a:ext cx="10489585" cy="1272479"/>
+            <a:off x="825135" y="326162"/>
+            <a:ext cx="10332125" cy="1184108"/>
           </a:xfrm>
         </p:spPr>
         <p:txBody>
@@ -1354,8 +1359,8 @@
         </p:nvSpPr>
         <p:spPr>
           <a:xfrm>
-            <a:off x="837711" y="1613839"/>
-            <a:ext cx="5145027" cy="790917"/>
+            <a:off x="825136" y="1501761"/>
+            <a:ext cx="5067794" cy="735990"/>
           </a:xfrm>
         </p:spPr>
         <p:txBody>
@@ -1363,39 +1368,39 @@
           <a:lstStyle>
             <a:lvl1pPr marL="0" indent="0">
               <a:buNone/>
-              <a:defRPr sz="2304" b="1"/>
+              <a:defRPr sz="2144" b="1"/>
             </a:lvl1pPr>
-            <a:lvl2pPr marL="438912" indent="0">
-              <a:buNone/>
-              <a:defRPr sz="1920" b="1"/>
+            <a:lvl2pPr marL="408417" indent="0">
+              <a:buNone/>
+              <a:defRPr sz="1787" b="1"/>
             </a:lvl2pPr>
-            <a:lvl3pPr marL="877824" indent="0">
-              <a:buNone/>
-              <a:defRPr sz="1728" b="1"/>
+            <a:lvl3pPr marL="816834" indent="0">
+              <a:buNone/>
+              <a:defRPr sz="1608" b="1"/>
             </a:lvl3pPr>
-            <a:lvl4pPr marL="1316736" indent="0">
-              <a:buNone/>
-              <a:defRPr sz="1536" b="1"/>
+            <a:lvl4pPr marL="1225250" indent="0">
+              <a:buNone/>
+              <a:defRPr sz="1429" b="1"/>
             </a:lvl4pPr>
-            <a:lvl5pPr marL="1755648" indent="0">
-              <a:buNone/>
-              <a:defRPr sz="1536" b="1"/>
+            <a:lvl5pPr marL="1633667" indent="0">
+              <a:buNone/>
+              <a:defRPr sz="1429" b="1"/>
             </a:lvl5pPr>
-            <a:lvl6pPr marL="2194560" indent="0">
-              <a:buNone/>
-              <a:defRPr sz="1536" b="1"/>
+            <a:lvl6pPr marL="2042084" indent="0">
+              <a:buNone/>
+              <a:defRPr sz="1429" b="1"/>
             </a:lvl6pPr>
-            <a:lvl7pPr marL="2633472" indent="0">
-              <a:buNone/>
-              <a:defRPr sz="1536" b="1"/>
+            <a:lvl7pPr marL="2450501" indent="0">
+              <a:buNone/>
+              <a:defRPr sz="1429" b="1"/>
             </a:lvl7pPr>
-            <a:lvl8pPr marL="3072384" indent="0">
-              <a:buNone/>
-              <a:defRPr sz="1536" b="1"/>
+            <a:lvl8pPr marL="2858917" indent="0">
+              <a:buNone/>
+              <a:defRPr sz="1429" b="1"/>
             </a:lvl8pPr>
-            <a:lvl9pPr marL="3511296" indent="0">
-              <a:buNone/>
-              <a:defRPr sz="1536" b="1"/>
+            <a:lvl9pPr marL="3267334" indent="0">
+              <a:buNone/>
+              <a:defRPr sz="1429" b="1"/>
             </a:lvl9pPr>
           </a:lstStyle>
           <a:p>
@@ -1419,8 +1424,8 @@
         </p:nvSpPr>
         <p:spPr>
           <a:xfrm>
-            <a:off x="837711" y="2404756"/>
-            <a:ext cx="5145027" cy="3537034"/>
+            <a:off x="825136" y="2237751"/>
+            <a:ext cx="5067794" cy="3291395"/>
           </a:xfrm>
         </p:spPr>
         <p:txBody>
@@ -1476,8 +1481,8 @@
         </p:nvSpPr>
         <p:spPr>
           <a:xfrm>
-            <a:off x="6156931" y="1613839"/>
-            <a:ext cx="5170365" cy="790917"/>
+            <a:off x="6064508" y="1501761"/>
+            <a:ext cx="5092752" cy="735990"/>
           </a:xfrm>
         </p:spPr>
         <p:txBody>
@@ -1485,39 +1490,39 @@
           <a:lstStyle>
             <a:lvl1pPr marL="0" indent="0">
               <a:buNone/>
-              <a:defRPr sz="2304" b="1"/>
+              <a:defRPr sz="2144" b="1"/>
             </a:lvl1pPr>
-            <a:lvl2pPr marL="438912" indent="0">
-              <a:buNone/>
-              <a:defRPr sz="1920" b="1"/>
+            <a:lvl2pPr marL="408417" indent="0">
+              <a:buNone/>
+              <a:defRPr sz="1787" b="1"/>
             </a:lvl2pPr>
-            <a:lvl3pPr marL="877824" indent="0">
-              <a:buNone/>
-              <a:defRPr sz="1728" b="1"/>
+            <a:lvl3pPr marL="816834" indent="0">
+              <a:buNone/>
+              <a:defRPr sz="1608" b="1"/>
             </a:lvl3pPr>
-            <a:lvl4pPr marL="1316736" indent="0">
-              <a:buNone/>
-              <a:defRPr sz="1536" b="1"/>
+            <a:lvl4pPr marL="1225250" indent="0">
+              <a:buNone/>
+              <a:defRPr sz="1429" b="1"/>
             </a:lvl4pPr>
-            <a:lvl5pPr marL="1755648" indent="0">
-              <a:buNone/>
-              <a:defRPr sz="1536" b="1"/>
+            <a:lvl5pPr marL="1633667" indent="0">
+              <a:buNone/>
+              <a:defRPr sz="1429" b="1"/>
             </a:lvl5pPr>
-            <a:lvl6pPr marL="2194560" indent="0">
-              <a:buNone/>
-              <a:defRPr sz="1536" b="1"/>
+            <a:lvl6pPr marL="2042084" indent="0">
+              <a:buNone/>
+              <a:defRPr sz="1429" b="1"/>
             </a:lvl6pPr>
-            <a:lvl7pPr marL="2633472" indent="0">
-              <a:buNone/>
-              <a:defRPr sz="1536" b="1"/>
+            <a:lvl7pPr marL="2450501" indent="0">
+              <a:buNone/>
+              <a:defRPr sz="1429" b="1"/>
             </a:lvl7pPr>
-            <a:lvl8pPr marL="3072384" indent="0">
-              <a:buNone/>
-              <a:defRPr sz="1536" b="1"/>
+            <a:lvl8pPr marL="2858917" indent="0">
+              <a:buNone/>
+              <a:defRPr sz="1429" b="1"/>
             </a:lvl8pPr>
-            <a:lvl9pPr marL="3511296" indent="0">
-              <a:buNone/>
-              <a:defRPr sz="1536" b="1"/>
+            <a:lvl9pPr marL="3267334" indent="0">
+              <a:buNone/>
+              <a:defRPr sz="1429" b="1"/>
             </a:lvl9pPr>
           </a:lstStyle>
           <a:p>
@@ -1541,8 +1546,8 @@
         </p:nvSpPr>
         <p:spPr>
           <a:xfrm>
-            <a:off x="6156931" y="2404756"/>
-            <a:ext cx="5170365" cy="3537034"/>
+            <a:off x="6064508" y="2237751"/>
+            <a:ext cx="5092752" cy="3291395"/>
           </a:xfrm>
         </p:spPr>
         <p:txBody>
@@ -1603,7 +1608,7 @@
           <a:p>
             <a:fld id="{2BBD1645-FC76-43C1-A572-DBB15ADD6331}" type="datetimeFigureOut">
               <a:rPr lang="en-US" smtClean="0"/>
-              <a:t>12/5/2016</a:t>
+              <a:t>12/6/2016</a:t>
             </a:fld>
             <a:endParaRPr lang="en-US"/>
           </a:p>
@@ -1654,7 +1659,7 @@
     </p:spTree>
     <p:extLst>
       <p:ext uri="{BB962C8B-B14F-4D97-AF65-F5344CB8AC3E}">
-        <p14:creationId xmlns:p14="http://schemas.microsoft.com/office/powerpoint/2010/main" val="675146629"/>
+        <p14:creationId xmlns:p14="http://schemas.microsoft.com/office/powerpoint/2010/main" val="950523680"/>
       </p:ext>
     </p:extLst>
   </p:cSld>
@@ -1721,7 +1726,7 @@
           <a:p>
             <a:fld id="{2BBD1645-FC76-43C1-A572-DBB15ADD6331}" type="datetimeFigureOut">
               <a:rPr lang="en-US" smtClean="0"/>
-              <a:t>12/5/2016</a:t>
+              <a:t>12/6/2016</a:t>
             </a:fld>
             <a:endParaRPr lang="en-US"/>
           </a:p>
@@ -1772,7 +1777,7 @@
     </p:spTree>
     <p:extLst>
       <p:ext uri="{BB962C8B-B14F-4D97-AF65-F5344CB8AC3E}">
-        <p14:creationId xmlns:p14="http://schemas.microsoft.com/office/powerpoint/2010/main" val="1755701465"/>
+        <p14:creationId xmlns:p14="http://schemas.microsoft.com/office/powerpoint/2010/main" val="3926146226"/>
       </p:ext>
     </p:extLst>
   </p:cSld>
@@ -1816,7 +1821,7 @@
           <a:p>
             <a:fld id="{2BBD1645-FC76-43C1-A572-DBB15ADD6331}" type="datetimeFigureOut">
               <a:rPr lang="en-US" smtClean="0"/>
-              <a:t>12/5/2016</a:t>
+              <a:t>12/6/2016</a:t>
             </a:fld>
             <a:endParaRPr lang="en-US"/>
           </a:p>
@@ -1867,7 +1872,7 @@
     </p:spTree>
     <p:extLst>
       <p:ext uri="{BB962C8B-B14F-4D97-AF65-F5344CB8AC3E}">
-        <p14:creationId xmlns:p14="http://schemas.microsoft.com/office/powerpoint/2010/main" val="2975295136"/>
+        <p14:creationId xmlns:p14="http://schemas.microsoft.com/office/powerpoint/2010/main" val="1399399742"/>
       </p:ext>
     </p:extLst>
   </p:cSld>
@@ -1906,15 +1911,15 @@
         </p:nvSpPr>
         <p:spPr>
           <a:xfrm>
-            <a:off x="837711" y="438891"/>
-            <a:ext cx="3922509" cy="1536118"/>
+            <a:off x="825136" y="408411"/>
+            <a:ext cx="3863628" cy="1429438"/>
           </a:xfrm>
         </p:spPr>
         <p:txBody>
           <a:bodyPr anchor="b"/>
           <a:lstStyle>
             <a:lvl1pPr>
-              <a:defRPr sz="3072"/>
+              <a:defRPr sz="2859"/>
             </a:lvl1pPr>
           </a:lstStyle>
           <a:p>
@@ -1938,39 +1943,39 @@
         </p:nvSpPr>
         <p:spPr>
           <a:xfrm>
-            <a:off x="5170365" y="947883"/>
-            <a:ext cx="6156930" cy="4678455"/>
+            <a:off x="5092752" y="882055"/>
+            <a:ext cx="6064508" cy="4353546"/>
           </a:xfrm>
         </p:spPr>
         <p:txBody>
           <a:bodyPr/>
           <a:lstStyle>
             <a:lvl1pPr>
-              <a:defRPr sz="3072"/>
+              <a:defRPr sz="2859"/>
             </a:lvl1pPr>
             <a:lvl2pPr>
-              <a:defRPr sz="2688"/>
+              <a:defRPr sz="2501"/>
             </a:lvl2pPr>
             <a:lvl3pPr>
-              <a:defRPr sz="2304"/>
+              <a:defRPr sz="2144"/>
             </a:lvl3pPr>
             <a:lvl4pPr>
-              <a:defRPr sz="1920"/>
+              <a:defRPr sz="1787"/>
             </a:lvl4pPr>
             <a:lvl5pPr>
-              <a:defRPr sz="1920"/>
+              <a:defRPr sz="1787"/>
             </a:lvl5pPr>
             <a:lvl6pPr>
-              <a:defRPr sz="1920"/>
+              <a:defRPr sz="1787"/>
             </a:lvl6pPr>
             <a:lvl7pPr>
-              <a:defRPr sz="1920"/>
+              <a:defRPr sz="1787"/>
             </a:lvl7pPr>
             <a:lvl8pPr>
-              <a:defRPr sz="1920"/>
+              <a:defRPr sz="1787"/>
             </a:lvl8pPr>
             <a:lvl9pPr>
-              <a:defRPr sz="1920"/>
+              <a:defRPr sz="1787"/>
             </a:lvl9pPr>
           </a:lstStyle>
           <a:p>
@@ -2023,8 +2028,8 @@
         </p:nvSpPr>
         <p:spPr>
           <a:xfrm>
-            <a:off x="837711" y="1975009"/>
-            <a:ext cx="3922509" cy="3658948"/>
+            <a:off x="825136" y="1837849"/>
+            <a:ext cx="3863628" cy="3404842"/>
           </a:xfrm>
         </p:spPr>
         <p:txBody>
@@ -2032,39 +2037,39 @@
           <a:lstStyle>
             <a:lvl1pPr marL="0" indent="0">
               <a:buNone/>
-              <a:defRPr sz="1536"/>
+              <a:defRPr sz="1429"/>
             </a:lvl1pPr>
-            <a:lvl2pPr marL="438912" indent="0">
-              <a:buNone/>
-              <a:defRPr sz="1344"/>
+            <a:lvl2pPr marL="408417" indent="0">
+              <a:buNone/>
+              <a:defRPr sz="1251"/>
             </a:lvl2pPr>
-            <a:lvl3pPr marL="877824" indent="0">
-              <a:buNone/>
-              <a:defRPr sz="1152"/>
+            <a:lvl3pPr marL="816834" indent="0">
+              <a:buNone/>
+              <a:defRPr sz="1072"/>
             </a:lvl3pPr>
-            <a:lvl4pPr marL="1316736" indent="0">
-              <a:buNone/>
-              <a:defRPr sz="960"/>
+            <a:lvl4pPr marL="1225250" indent="0">
+              <a:buNone/>
+              <a:defRPr sz="893"/>
             </a:lvl4pPr>
-            <a:lvl5pPr marL="1755648" indent="0">
-              <a:buNone/>
-              <a:defRPr sz="960"/>
+            <a:lvl5pPr marL="1633667" indent="0">
+              <a:buNone/>
+              <a:defRPr sz="893"/>
             </a:lvl5pPr>
-            <a:lvl6pPr marL="2194560" indent="0">
-              <a:buNone/>
-              <a:defRPr sz="960"/>
+            <a:lvl6pPr marL="2042084" indent="0">
+              <a:buNone/>
+              <a:defRPr sz="893"/>
             </a:lvl6pPr>
-            <a:lvl7pPr marL="2633472" indent="0">
-              <a:buNone/>
-              <a:defRPr sz="960"/>
+            <a:lvl7pPr marL="2450501" indent="0">
+              <a:buNone/>
+              <a:defRPr sz="893"/>
             </a:lvl7pPr>
-            <a:lvl8pPr marL="3072384" indent="0">
-              <a:buNone/>
-              <a:defRPr sz="960"/>
+            <a:lvl8pPr marL="2858917" indent="0">
+              <a:buNone/>
+              <a:defRPr sz="893"/>
             </a:lvl8pPr>
-            <a:lvl9pPr marL="3511296" indent="0">
-              <a:buNone/>
-              <a:defRPr sz="960"/>
+            <a:lvl9pPr marL="3267334" indent="0">
+              <a:buNone/>
+              <a:defRPr sz="893"/>
             </a:lvl9pPr>
           </a:lstStyle>
           <a:p>
@@ -2093,7 +2098,7 @@
           <a:p>
             <a:fld id="{2BBD1645-FC76-43C1-A572-DBB15ADD6331}" type="datetimeFigureOut">
               <a:rPr lang="en-US" smtClean="0"/>
-              <a:t>12/5/2016</a:t>
+              <a:t>12/6/2016</a:t>
             </a:fld>
             <a:endParaRPr lang="en-US"/>
           </a:p>
@@ -2144,7 +2149,7 @@
     </p:spTree>
     <p:extLst>
       <p:ext uri="{BB962C8B-B14F-4D97-AF65-F5344CB8AC3E}">
-        <p14:creationId xmlns:p14="http://schemas.microsoft.com/office/powerpoint/2010/main" val="2085290519"/>
+        <p14:creationId xmlns:p14="http://schemas.microsoft.com/office/powerpoint/2010/main" val="1832666340"/>
       </p:ext>
     </p:extLst>
   </p:cSld>
@@ -2183,15 +2188,15 @@
         </p:nvSpPr>
         <p:spPr>
           <a:xfrm>
-            <a:off x="837711" y="438891"/>
-            <a:ext cx="3922509" cy="1536118"/>
+            <a:off x="825136" y="408411"/>
+            <a:ext cx="3863628" cy="1429438"/>
           </a:xfrm>
         </p:spPr>
         <p:txBody>
           <a:bodyPr anchor="b"/>
           <a:lstStyle>
             <a:lvl1pPr>
-              <a:defRPr sz="3072"/>
+              <a:defRPr sz="2859"/>
             </a:lvl1pPr>
           </a:lstStyle>
           <a:p>
@@ -2215,8 +2220,8 @@
         </p:nvSpPr>
         <p:spPr>
           <a:xfrm>
-            <a:off x="5170365" y="947883"/>
-            <a:ext cx="6156930" cy="4678455"/>
+            <a:off x="5092752" y="882055"/>
+            <a:ext cx="6064508" cy="4353546"/>
           </a:xfrm>
         </p:spPr>
         <p:txBody>
@@ -2224,39 +2229,39 @@
           <a:lstStyle>
             <a:lvl1pPr marL="0" indent="0">
               <a:buNone/>
-              <a:defRPr sz="3072"/>
+              <a:defRPr sz="2859"/>
             </a:lvl1pPr>
-            <a:lvl2pPr marL="438912" indent="0">
-              <a:buNone/>
-              <a:defRPr sz="2688"/>
+            <a:lvl2pPr marL="408417" indent="0">
+              <a:buNone/>
+              <a:defRPr sz="2501"/>
             </a:lvl2pPr>
-            <a:lvl3pPr marL="877824" indent="0">
-              <a:buNone/>
-              <a:defRPr sz="2304"/>
+            <a:lvl3pPr marL="816834" indent="0">
+              <a:buNone/>
+              <a:defRPr sz="2144"/>
             </a:lvl3pPr>
-            <a:lvl4pPr marL="1316736" indent="0">
-              <a:buNone/>
-              <a:defRPr sz="1920"/>
+            <a:lvl4pPr marL="1225250" indent="0">
+              <a:buNone/>
+              <a:defRPr sz="1787"/>
             </a:lvl4pPr>
-            <a:lvl5pPr marL="1755648" indent="0">
-              <a:buNone/>
-              <a:defRPr sz="1920"/>
+            <a:lvl5pPr marL="1633667" indent="0">
+              <a:buNone/>
+              <a:defRPr sz="1787"/>
             </a:lvl5pPr>
-            <a:lvl6pPr marL="2194560" indent="0">
-              <a:buNone/>
-              <a:defRPr sz="1920"/>
+            <a:lvl6pPr marL="2042084" indent="0">
+              <a:buNone/>
+              <a:defRPr sz="1787"/>
             </a:lvl6pPr>
-            <a:lvl7pPr marL="2633472" indent="0">
-              <a:buNone/>
-              <a:defRPr sz="1920"/>
+            <a:lvl7pPr marL="2450501" indent="0">
+              <a:buNone/>
+              <a:defRPr sz="1787"/>
             </a:lvl7pPr>
-            <a:lvl8pPr marL="3072384" indent="0">
-              <a:buNone/>
-              <a:defRPr sz="1920"/>
+            <a:lvl8pPr marL="2858917" indent="0">
+              <a:buNone/>
+              <a:defRPr sz="1787"/>
             </a:lvl8pPr>
-            <a:lvl9pPr marL="3511296" indent="0">
-              <a:buNone/>
-              <a:defRPr sz="1920"/>
+            <a:lvl9pPr marL="3267334" indent="0">
+              <a:buNone/>
+              <a:defRPr sz="1787"/>
             </a:lvl9pPr>
           </a:lstStyle>
           <a:p>
@@ -2280,8 +2285,8 @@
         </p:nvSpPr>
         <p:spPr>
           <a:xfrm>
-            <a:off x="837711" y="1975009"/>
-            <a:ext cx="3922509" cy="3658948"/>
+            <a:off x="825136" y="1837849"/>
+            <a:ext cx="3863628" cy="3404842"/>
           </a:xfrm>
         </p:spPr>
         <p:txBody>
@@ -2289,39 +2294,39 @@
           <a:lstStyle>
             <a:lvl1pPr marL="0" indent="0">
               <a:buNone/>
-              <a:defRPr sz="1536"/>
+              <a:defRPr sz="1429"/>
             </a:lvl1pPr>
-            <a:lvl2pPr marL="438912" indent="0">
-              <a:buNone/>
-              <a:defRPr sz="1344"/>
+            <a:lvl2pPr marL="408417" indent="0">
+              <a:buNone/>
+              <a:defRPr sz="1251"/>
             </a:lvl2pPr>
-            <a:lvl3pPr marL="877824" indent="0">
-              <a:buNone/>
-              <a:defRPr sz="1152"/>
+            <a:lvl3pPr marL="816834" indent="0">
+              <a:buNone/>
+              <a:defRPr sz="1072"/>
             </a:lvl3pPr>
-            <a:lvl4pPr marL="1316736" indent="0">
-              <a:buNone/>
-              <a:defRPr sz="960"/>
+            <a:lvl4pPr marL="1225250" indent="0">
+              <a:buNone/>
+              <a:defRPr sz="893"/>
             </a:lvl4pPr>
-            <a:lvl5pPr marL="1755648" indent="0">
-              <a:buNone/>
-              <a:defRPr sz="960"/>
+            <a:lvl5pPr marL="1633667" indent="0">
+              <a:buNone/>
+              <a:defRPr sz="893"/>
             </a:lvl5pPr>
-            <a:lvl6pPr marL="2194560" indent="0">
-              <a:buNone/>
-              <a:defRPr sz="960"/>
+            <a:lvl6pPr marL="2042084" indent="0">
+              <a:buNone/>
+              <a:defRPr sz="893"/>
             </a:lvl6pPr>
-            <a:lvl7pPr marL="2633472" indent="0">
-              <a:buNone/>
-              <a:defRPr sz="960"/>
+            <a:lvl7pPr marL="2450501" indent="0">
+              <a:buNone/>
+              <a:defRPr sz="893"/>
             </a:lvl7pPr>
-            <a:lvl8pPr marL="3072384" indent="0">
-              <a:buNone/>
-              <a:defRPr sz="960"/>
+            <a:lvl8pPr marL="2858917" indent="0">
+              <a:buNone/>
+              <a:defRPr sz="893"/>
             </a:lvl8pPr>
-            <a:lvl9pPr marL="3511296" indent="0">
-              <a:buNone/>
-              <a:defRPr sz="960"/>
+            <a:lvl9pPr marL="3267334" indent="0">
+              <a:buNone/>
+              <a:defRPr sz="893"/>
             </a:lvl9pPr>
           </a:lstStyle>
           <a:p>
@@ -2350,7 +2355,7 @@
           <a:p>
             <a:fld id="{2BBD1645-FC76-43C1-A572-DBB15ADD6331}" type="datetimeFigureOut">
               <a:rPr lang="en-US" smtClean="0"/>
-              <a:t>12/5/2016</a:t>
+              <a:t>12/6/2016</a:t>
             </a:fld>
             <a:endParaRPr lang="en-US"/>
           </a:p>
@@ -2401,7 +2406,7 @@
     </p:spTree>
     <p:extLst>
       <p:ext uri="{BB962C8B-B14F-4D97-AF65-F5344CB8AC3E}">
-        <p14:creationId xmlns:p14="http://schemas.microsoft.com/office/powerpoint/2010/main" val="3886470044"/>
+        <p14:creationId xmlns:p14="http://schemas.microsoft.com/office/powerpoint/2010/main" val="489655416"/>
       </p:ext>
     </p:extLst>
   </p:cSld>
@@ -2445,8 +2450,8 @@
         </p:nvSpPr>
         <p:spPr>
           <a:xfrm>
-            <a:off x="836127" y="350504"/>
-            <a:ext cx="10489585" cy="1272479"/>
+            <a:off x="823575" y="326162"/>
+            <a:ext cx="10332125" cy="1184108"/>
           </a:xfrm>
           <a:prstGeom prst="rect">
             <a:avLst/>
@@ -2478,8 +2483,8 @@
         </p:nvSpPr>
         <p:spPr>
           <a:xfrm>
-            <a:off x="836127" y="1752516"/>
-            <a:ext cx="10489585" cy="4177083"/>
+            <a:off x="823575" y="1630807"/>
+            <a:ext cx="10332125" cy="3886994"/>
           </a:xfrm>
           <a:prstGeom prst="rect">
             <a:avLst/>
@@ -2540,8 +2545,8 @@
         </p:nvSpPr>
         <p:spPr>
           <a:xfrm>
-            <a:off x="836126" y="6101803"/>
-            <a:ext cx="2736414" cy="350503"/>
+            <a:off x="823575" y="5678046"/>
+            <a:ext cx="2695337" cy="326161"/>
           </a:xfrm>
           <a:prstGeom prst="rect">
             <a:avLst/>
@@ -2551,7 +2556,7 @@
           <a:bodyPr vert="horz" lIns="91440" tIns="45720" rIns="91440" bIns="45720" rtlCol="0" anchor="ctr"/>
           <a:lstStyle>
             <a:lvl1pPr algn="l">
-              <a:defRPr sz="1152">
+              <a:defRPr sz="1072">
                 <a:solidFill>
                   <a:schemeClr val="tx1">
                     <a:tint val="75000"/>
@@ -2563,7 +2568,7 @@
           <a:p>
             <a:fld id="{2BBD1645-FC76-43C1-A572-DBB15ADD6331}" type="datetimeFigureOut">
               <a:rPr lang="en-US" smtClean="0"/>
-              <a:t>12/5/2016</a:t>
+              <a:t>12/6/2016</a:t>
             </a:fld>
             <a:endParaRPr lang="en-US"/>
           </a:p>
@@ -2581,8 +2586,8 @@
         </p:nvSpPr>
         <p:spPr>
           <a:xfrm>
-            <a:off x="4028609" y="6101803"/>
-            <a:ext cx="4104620" cy="350503"/>
+            <a:off x="3968135" y="5678046"/>
+            <a:ext cx="4043005" cy="326161"/>
           </a:xfrm>
           <a:prstGeom prst="rect">
             <a:avLst/>
@@ -2592,7 +2597,7 @@
           <a:bodyPr vert="horz" lIns="91440" tIns="45720" rIns="91440" bIns="45720" rtlCol="0" anchor="ctr"/>
           <a:lstStyle>
             <a:lvl1pPr algn="ctr">
-              <a:defRPr sz="1152">
+              <a:defRPr sz="1072">
                 <a:solidFill>
                   <a:schemeClr val="tx1">
                     <a:tint val="75000"/>
@@ -2618,8 +2623,8 @@
         </p:nvSpPr>
         <p:spPr>
           <a:xfrm>
-            <a:off x="8589298" y="6101803"/>
-            <a:ext cx="2736414" cy="350503"/>
+            <a:off x="8460363" y="5678046"/>
+            <a:ext cx="2695337" cy="326161"/>
           </a:xfrm>
           <a:prstGeom prst="rect">
             <a:avLst/>
@@ -2629,7 +2634,7 @@
           <a:bodyPr vert="horz" lIns="91440" tIns="45720" rIns="91440" bIns="45720" rtlCol="0" anchor="ctr"/>
           <a:lstStyle>
             <a:lvl1pPr algn="r">
-              <a:defRPr sz="1152">
+              <a:defRPr sz="1072">
                 <a:solidFill>
                   <a:schemeClr val="tx1">
                     <a:tint val="75000"/>
@@ -2650,27 +2655,27 @@
     </p:spTree>
     <p:extLst>
       <p:ext uri="{BB962C8B-B14F-4D97-AF65-F5344CB8AC3E}">
-        <p14:creationId xmlns:p14="http://schemas.microsoft.com/office/powerpoint/2010/main" val="2357593053"/>
+        <p14:creationId xmlns:p14="http://schemas.microsoft.com/office/powerpoint/2010/main" val="4128049750"/>
       </p:ext>
     </p:extLst>
   </p:cSld>
   <p:clrMap bg1="lt1" tx1="dk1" bg2="lt2" tx2="dk2" accent1="accent1" accent2="accent2" accent3="accent3" accent4="accent4" accent5="accent5" accent6="accent6" hlink="hlink" folHlink="folHlink"/>
   <p:sldLayoutIdLst>
-    <p:sldLayoutId id="2147483673" r:id="rId1"/>
-    <p:sldLayoutId id="2147483674" r:id="rId2"/>
-    <p:sldLayoutId id="2147483675" r:id="rId3"/>
-    <p:sldLayoutId id="2147483676" r:id="rId4"/>
-    <p:sldLayoutId id="2147483677" r:id="rId5"/>
-    <p:sldLayoutId id="2147483678" r:id="rId6"/>
-    <p:sldLayoutId id="2147483679" r:id="rId7"/>
-    <p:sldLayoutId id="2147483680" r:id="rId8"/>
-    <p:sldLayoutId id="2147483681" r:id="rId9"/>
-    <p:sldLayoutId id="2147483682" r:id="rId10"/>
-    <p:sldLayoutId id="2147483683" r:id="rId11"/>
+    <p:sldLayoutId id="2147483697" r:id="rId1"/>
+    <p:sldLayoutId id="2147483698" r:id="rId2"/>
+    <p:sldLayoutId id="2147483699" r:id="rId3"/>
+    <p:sldLayoutId id="2147483700" r:id="rId4"/>
+    <p:sldLayoutId id="2147483701" r:id="rId5"/>
+    <p:sldLayoutId id="2147483702" r:id="rId6"/>
+    <p:sldLayoutId id="2147483703" r:id="rId7"/>
+    <p:sldLayoutId id="2147483704" r:id="rId8"/>
+    <p:sldLayoutId id="2147483705" r:id="rId9"/>
+    <p:sldLayoutId id="2147483706" r:id="rId10"/>
+    <p:sldLayoutId id="2147483707" r:id="rId11"/>
   </p:sldLayoutIdLst>
   <p:txStyles>
     <p:titleStyle>
-      <a:lvl1pPr algn="l" defTabSz="877824" rtl="0" eaLnBrk="1" latinLnBrk="0" hangingPunct="1">
+      <a:lvl1pPr algn="l" defTabSz="816834" rtl="0" eaLnBrk="1" latinLnBrk="0" hangingPunct="1">
         <a:lnSpc>
           <a:spcPct val="90000"/>
         </a:lnSpc>
@@ -2678,7 +2683,7 @@
           <a:spcPct val="0"/>
         </a:spcBef>
         <a:buNone/>
-        <a:defRPr sz="4224" kern="1200">
+        <a:defRPr sz="3931" kern="1200">
           <a:solidFill>
             <a:schemeClr val="tx1"/>
           </a:solidFill>
@@ -2689,16 +2694,16 @@
       </a:lvl1pPr>
     </p:titleStyle>
     <p:bodyStyle>
-      <a:lvl1pPr marL="219456" indent="-219456" algn="l" defTabSz="877824" rtl="0" eaLnBrk="1" latinLnBrk="0" hangingPunct="1">
+      <a:lvl1pPr marL="204208" indent="-204208" algn="l" defTabSz="816834" rtl="0" eaLnBrk="1" latinLnBrk="0" hangingPunct="1">
         <a:lnSpc>
           <a:spcPct val="90000"/>
         </a:lnSpc>
         <a:spcBef>
-          <a:spcPts val="960"/>
+          <a:spcPts val="893"/>
         </a:spcBef>
         <a:buFont typeface="Arial" panose="020B0604020202020204" pitchFamily="34" charset="0"/>
         <a:buChar char="•"/>
-        <a:defRPr sz="2688" kern="1200">
+        <a:defRPr sz="2501" kern="1200">
           <a:solidFill>
             <a:schemeClr val="tx1"/>
           </a:solidFill>
@@ -2707,16 +2712,16 @@
           <a:cs typeface="+mn-cs"/>
         </a:defRPr>
       </a:lvl1pPr>
-      <a:lvl2pPr marL="658368" indent="-219456" algn="l" defTabSz="877824" rtl="0" eaLnBrk="1" latinLnBrk="0" hangingPunct="1">
+      <a:lvl2pPr marL="612625" indent="-204208" algn="l" defTabSz="816834" rtl="0" eaLnBrk="1" latinLnBrk="0" hangingPunct="1">
         <a:lnSpc>
           <a:spcPct val="90000"/>
         </a:lnSpc>
         <a:spcBef>
-          <a:spcPts val="480"/>
+          <a:spcPts val="447"/>
         </a:spcBef>
         <a:buFont typeface="Arial" panose="020B0604020202020204" pitchFamily="34" charset="0"/>
         <a:buChar char="•"/>
-        <a:defRPr sz="2304" kern="1200">
+        <a:defRPr sz="2144" kern="1200">
           <a:solidFill>
             <a:schemeClr val="tx1"/>
           </a:solidFill>
@@ -2725,16 +2730,16 @@
           <a:cs typeface="+mn-cs"/>
         </a:defRPr>
       </a:lvl2pPr>
-      <a:lvl3pPr marL="1097280" indent="-219456" algn="l" defTabSz="877824" rtl="0" eaLnBrk="1" latinLnBrk="0" hangingPunct="1">
+      <a:lvl3pPr marL="1021042" indent="-204208" algn="l" defTabSz="816834" rtl="0" eaLnBrk="1" latinLnBrk="0" hangingPunct="1">
         <a:lnSpc>
           <a:spcPct val="90000"/>
         </a:lnSpc>
         <a:spcBef>
-          <a:spcPts val="480"/>
+          <a:spcPts val="447"/>
         </a:spcBef>
         <a:buFont typeface="Arial" panose="020B0604020202020204" pitchFamily="34" charset="0"/>
         <a:buChar char="•"/>
-        <a:defRPr sz="1920" kern="1200">
+        <a:defRPr sz="1787" kern="1200">
           <a:solidFill>
             <a:schemeClr val="tx1"/>
           </a:solidFill>
@@ -2743,16 +2748,16 @@
           <a:cs typeface="+mn-cs"/>
         </a:defRPr>
       </a:lvl3pPr>
-      <a:lvl4pPr marL="1536192" indent="-219456" algn="l" defTabSz="877824" rtl="0" eaLnBrk="1" latinLnBrk="0" hangingPunct="1">
+      <a:lvl4pPr marL="1429459" indent="-204208" algn="l" defTabSz="816834" rtl="0" eaLnBrk="1" latinLnBrk="0" hangingPunct="1">
         <a:lnSpc>
           <a:spcPct val="90000"/>
         </a:lnSpc>
         <a:spcBef>
-          <a:spcPts val="480"/>
+          <a:spcPts val="447"/>
         </a:spcBef>
         <a:buFont typeface="Arial" panose="020B0604020202020204" pitchFamily="34" charset="0"/>
         <a:buChar char="•"/>
-        <a:defRPr sz="1728" kern="1200">
+        <a:defRPr sz="1608" kern="1200">
           <a:solidFill>
             <a:schemeClr val="tx1"/>
           </a:solidFill>
@@ -2761,16 +2766,16 @@
           <a:cs typeface="+mn-cs"/>
         </a:defRPr>
       </a:lvl4pPr>
-      <a:lvl5pPr marL="1975104" indent="-219456" algn="l" defTabSz="877824" rtl="0" eaLnBrk="1" latinLnBrk="0" hangingPunct="1">
+      <a:lvl5pPr marL="1837875" indent="-204208" algn="l" defTabSz="816834" rtl="0" eaLnBrk="1" latinLnBrk="0" hangingPunct="1">
         <a:lnSpc>
           <a:spcPct val="90000"/>
         </a:lnSpc>
         <a:spcBef>
-          <a:spcPts val="480"/>
+          <a:spcPts val="447"/>
         </a:spcBef>
         <a:buFont typeface="Arial" panose="020B0604020202020204" pitchFamily="34" charset="0"/>
         <a:buChar char="•"/>
-        <a:defRPr sz="1728" kern="1200">
+        <a:defRPr sz="1608" kern="1200">
           <a:solidFill>
             <a:schemeClr val="tx1"/>
           </a:solidFill>
@@ -2779,16 +2784,16 @@
           <a:cs typeface="+mn-cs"/>
         </a:defRPr>
       </a:lvl5pPr>
-      <a:lvl6pPr marL="2414016" indent="-219456" algn="l" defTabSz="877824" rtl="0" eaLnBrk="1" latinLnBrk="0" hangingPunct="1">
+      <a:lvl6pPr marL="2246292" indent="-204208" algn="l" defTabSz="816834" rtl="0" eaLnBrk="1" latinLnBrk="0" hangingPunct="1">
         <a:lnSpc>
           <a:spcPct val="90000"/>
         </a:lnSpc>
         <a:spcBef>
-          <a:spcPts val="480"/>
+          <a:spcPts val="447"/>
         </a:spcBef>
         <a:buFont typeface="Arial" panose="020B0604020202020204" pitchFamily="34" charset="0"/>
         <a:buChar char="•"/>
-        <a:defRPr sz="1728" kern="1200">
+        <a:defRPr sz="1608" kern="1200">
           <a:solidFill>
             <a:schemeClr val="tx1"/>
           </a:solidFill>
@@ -2797,16 +2802,16 @@
           <a:cs typeface="+mn-cs"/>
         </a:defRPr>
       </a:lvl6pPr>
-      <a:lvl7pPr marL="2852928" indent="-219456" algn="l" defTabSz="877824" rtl="0" eaLnBrk="1" latinLnBrk="0" hangingPunct="1">
+      <a:lvl7pPr marL="2654709" indent="-204208" algn="l" defTabSz="816834" rtl="0" eaLnBrk="1" latinLnBrk="0" hangingPunct="1">
         <a:lnSpc>
           <a:spcPct val="90000"/>
         </a:lnSpc>
         <a:spcBef>
-          <a:spcPts val="480"/>
+          <a:spcPts val="447"/>
         </a:spcBef>
         <a:buFont typeface="Arial" panose="020B0604020202020204" pitchFamily="34" charset="0"/>
         <a:buChar char="•"/>
-        <a:defRPr sz="1728" kern="1200">
+        <a:defRPr sz="1608" kern="1200">
           <a:solidFill>
             <a:schemeClr val="tx1"/>
           </a:solidFill>
@@ -2815,16 +2820,16 @@
           <a:cs typeface="+mn-cs"/>
         </a:defRPr>
       </a:lvl7pPr>
-      <a:lvl8pPr marL="3291840" indent="-219456" algn="l" defTabSz="877824" rtl="0" eaLnBrk="1" latinLnBrk="0" hangingPunct="1">
+      <a:lvl8pPr marL="3063126" indent="-204208" algn="l" defTabSz="816834" rtl="0" eaLnBrk="1" latinLnBrk="0" hangingPunct="1">
         <a:lnSpc>
           <a:spcPct val="90000"/>
         </a:lnSpc>
         <a:spcBef>
-          <a:spcPts val="480"/>
+          <a:spcPts val="447"/>
         </a:spcBef>
         <a:buFont typeface="Arial" panose="020B0604020202020204" pitchFamily="34" charset="0"/>
         <a:buChar char="•"/>
-        <a:defRPr sz="1728" kern="1200">
+        <a:defRPr sz="1608" kern="1200">
           <a:solidFill>
             <a:schemeClr val="tx1"/>
           </a:solidFill>
@@ -2833,16 +2838,16 @@
           <a:cs typeface="+mn-cs"/>
         </a:defRPr>
       </a:lvl8pPr>
-      <a:lvl9pPr marL="3730752" indent="-219456" algn="l" defTabSz="877824" rtl="0" eaLnBrk="1" latinLnBrk="0" hangingPunct="1">
+      <a:lvl9pPr marL="3471542" indent="-204208" algn="l" defTabSz="816834" rtl="0" eaLnBrk="1" latinLnBrk="0" hangingPunct="1">
         <a:lnSpc>
           <a:spcPct val="90000"/>
         </a:lnSpc>
         <a:spcBef>
-          <a:spcPts val="480"/>
+          <a:spcPts val="447"/>
         </a:spcBef>
         <a:buFont typeface="Arial" panose="020B0604020202020204" pitchFamily="34" charset="0"/>
         <a:buChar char="•"/>
-        <a:defRPr sz="1728" kern="1200">
+        <a:defRPr sz="1608" kern="1200">
           <a:solidFill>
             <a:schemeClr val="tx1"/>
           </a:solidFill>
@@ -2856,8 +2861,8 @@
       <a:defPPr>
         <a:defRPr lang="en-US"/>
       </a:defPPr>
-      <a:lvl1pPr marL="0" algn="l" defTabSz="877824" rtl="0" eaLnBrk="1" latinLnBrk="0" hangingPunct="1">
-        <a:defRPr sz="1728" kern="1200">
+      <a:lvl1pPr marL="0" algn="l" defTabSz="816834" rtl="0" eaLnBrk="1" latinLnBrk="0" hangingPunct="1">
+        <a:defRPr sz="1608" kern="1200">
           <a:solidFill>
             <a:schemeClr val="tx1"/>
           </a:solidFill>
@@ -2866,8 +2871,8 @@
           <a:cs typeface="+mn-cs"/>
         </a:defRPr>
       </a:lvl1pPr>
-      <a:lvl2pPr marL="438912" algn="l" defTabSz="877824" rtl="0" eaLnBrk="1" latinLnBrk="0" hangingPunct="1">
-        <a:defRPr sz="1728" kern="1200">
+      <a:lvl2pPr marL="408417" algn="l" defTabSz="816834" rtl="0" eaLnBrk="1" latinLnBrk="0" hangingPunct="1">
+        <a:defRPr sz="1608" kern="1200">
           <a:solidFill>
             <a:schemeClr val="tx1"/>
           </a:solidFill>
@@ -2876,8 +2881,8 @@
           <a:cs typeface="+mn-cs"/>
         </a:defRPr>
       </a:lvl2pPr>
-      <a:lvl3pPr marL="877824" algn="l" defTabSz="877824" rtl="0" eaLnBrk="1" latinLnBrk="0" hangingPunct="1">
-        <a:defRPr sz="1728" kern="1200">
+      <a:lvl3pPr marL="816834" algn="l" defTabSz="816834" rtl="0" eaLnBrk="1" latinLnBrk="0" hangingPunct="1">
+        <a:defRPr sz="1608" kern="1200">
           <a:solidFill>
             <a:schemeClr val="tx1"/>
           </a:solidFill>
@@ -2886,8 +2891,8 @@
           <a:cs typeface="+mn-cs"/>
         </a:defRPr>
       </a:lvl3pPr>
-      <a:lvl4pPr marL="1316736" algn="l" defTabSz="877824" rtl="0" eaLnBrk="1" latinLnBrk="0" hangingPunct="1">
-        <a:defRPr sz="1728" kern="1200">
+      <a:lvl4pPr marL="1225250" algn="l" defTabSz="816834" rtl="0" eaLnBrk="1" latinLnBrk="0" hangingPunct="1">
+        <a:defRPr sz="1608" kern="1200">
           <a:solidFill>
             <a:schemeClr val="tx1"/>
           </a:solidFill>
@@ -2896,8 +2901,8 @@
           <a:cs typeface="+mn-cs"/>
         </a:defRPr>
       </a:lvl4pPr>
-      <a:lvl5pPr marL="1755648" algn="l" defTabSz="877824" rtl="0" eaLnBrk="1" latinLnBrk="0" hangingPunct="1">
-        <a:defRPr sz="1728" kern="1200">
+      <a:lvl5pPr marL="1633667" algn="l" defTabSz="816834" rtl="0" eaLnBrk="1" latinLnBrk="0" hangingPunct="1">
+        <a:defRPr sz="1608" kern="1200">
           <a:solidFill>
             <a:schemeClr val="tx1"/>
           </a:solidFill>
@@ -2906,8 +2911,8 @@
           <a:cs typeface="+mn-cs"/>
         </a:defRPr>
       </a:lvl5pPr>
-      <a:lvl6pPr marL="2194560" algn="l" defTabSz="877824" rtl="0" eaLnBrk="1" latinLnBrk="0" hangingPunct="1">
-        <a:defRPr sz="1728" kern="1200">
+      <a:lvl6pPr marL="2042084" algn="l" defTabSz="816834" rtl="0" eaLnBrk="1" latinLnBrk="0" hangingPunct="1">
+        <a:defRPr sz="1608" kern="1200">
           <a:solidFill>
             <a:schemeClr val="tx1"/>
           </a:solidFill>
@@ -2916,8 +2921,8 @@
           <a:cs typeface="+mn-cs"/>
         </a:defRPr>
       </a:lvl6pPr>
-      <a:lvl7pPr marL="2633472" algn="l" defTabSz="877824" rtl="0" eaLnBrk="1" latinLnBrk="0" hangingPunct="1">
-        <a:defRPr sz="1728" kern="1200">
+      <a:lvl7pPr marL="2450501" algn="l" defTabSz="816834" rtl="0" eaLnBrk="1" latinLnBrk="0" hangingPunct="1">
+        <a:defRPr sz="1608" kern="1200">
           <a:solidFill>
             <a:schemeClr val="tx1"/>
           </a:solidFill>
@@ -2926,8 +2931,8 @@
           <a:cs typeface="+mn-cs"/>
         </a:defRPr>
       </a:lvl7pPr>
-      <a:lvl8pPr marL="3072384" algn="l" defTabSz="877824" rtl="0" eaLnBrk="1" latinLnBrk="0" hangingPunct="1">
-        <a:defRPr sz="1728" kern="1200">
+      <a:lvl8pPr marL="2858917" algn="l" defTabSz="816834" rtl="0" eaLnBrk="1" latinLnBrk="0" hangingPunct="1">
+        <a:defRPr sz="1608" kern="1200">
           <a:solidFill>
             <a:schemeClr val="tx1"/>
           </a:solidFill>
@@ -2936,8 +2941,8 @@
           <a:cs typeface="+mn-cs"/>
         </a:defRPr>
       </a:lvl8pPr>
-      <a:lvl9pPr marL="3511296" algn="l" defTabSz="877824" rtl="0" eaLnBrk="1" latinLnBrk="0" hangingPunct="1">
-        <a:defRPr sz="1728" kern="1200">
+      <a:lvl9pPr marL="3267334" algn="l" defTabSz="816834" rtl="0" eaLnBrk="1" latinLnBrk="0" hangingPunct="1">
+        <a:defRPr sz="1608" kern="1200">
           <a:solidFill>
             <a:schemeClr val="tx1"/>
           </a:solidFill>
@@ -2970,7 +2975,7 @@
       </p:grpSpPr>
       <p:pic>
         <p:nvPicPr>
-          <p:cNvPr id="8" name="Picture 7"/>
+          <p:cNvPr id="4" name="Picture 3"/>
           <p:cNvPicPr>
             <a:picLocks noChangeAspect="1"/>
           </p:cNvPicPr>
@@ -2984,13 +2989,13 @@
               </a:ext>
             </a:extLst>
           </a:blip>
-          <a:srcRect l="7873" t="5114" r="8997"/>
+          <a:srcRect l="7123" t="5935" r="9381"/>
           <a:stretch/>
         </p:blipFill>
         <p:spPr>
           <a:xfrm>
-            <a:off x="8325" y="146649"/>
-            <a:ext cx="12153513" cy="6349042"/>
+            <a:off x="0" y="-1"/>
+            <a:ext cx="11877848" cy="6126164"/>
           </a:xfrm>
           <a:prstGeom prst="rect">
             <a:avLst/>
